--- a/trunk/docs/presentations/2010-02 OBO foundry presentation.pptx
+++ b/trunk/docs/presentations/2010-02 OBO foundry presentation.pptx
@@ -3710,7 +3710,7 @@
         <p:spPr/>
         <p:txBody>
           <a:bodyPr>
-            <a:normAutofit fontScale="92500"/>
+            <a:normAutofit fontScale="92500" lnSpcReduction="10000"/>
           </a:bodyPr>
           <a:lstStyle/>
           <a:p>
@@ -3723,7 +3723,34 @@
             <a:pPr lvl="1"/>
             <a:r>
               <a:rPr lang="en-US" sz="2400" dirty="0" smtClean="0"/>
-              <a:t>Create data analysis workflows (</a:t>
+              <a:t>Model individual experiments from diverse backgrounds </a:t>
+            </a:r>
+            <a:br>
+              <a:rPr lang="en-US" sz="2400" dirty="0" smtClean="0"/>
+            </a:br>
+            <a:r>
+              <a:rPr lang="en-US" sz="2200" dirty="0" smtClean="0"/>
+              <a:t>(Vaccine </a:t>
+            </a:r>
+            <a:r>
+              <a:rPr lang="en-US" sz="2200" dirty="0" smtClean="0"/>
+              <a:t>protection, </a:t>
+            </a:r>
+            <a:r>
+              <a:rPr lang="en-US" sz="2200" dirty="0" smtClean="0"/>
+              <a:t>Neuroscience, automated functional genomics)</a:t>
+            </a:r>
+            <a:endParaRPr lang="en-US" sz="2400" dirty="0" smtClean="0"/>
+          </a:p>
+          <a:p>
+            <a:pPr lvl="1"/>
+            <a:r>
+              <a:rPr lang="en-US" sz="2400" dirty="0" smtClean="0"/>
+              <a:t>Create </a:t>
+            </a:r>
+            <a:r>
+              <a:rPr lang="en-US" sz="2400" dirty="0" smtClean="0"/>
+              <a:t>data analysis workflows (</a:t>
             </a:r>
             <a:r>
               <a:rPr lang="en-US" sz="2400" dirty="0" err="1" smtClean="0"/>
@@ -3738,8 +3765,13 @@
             <a:pPr lvl="1"/>
             <a:r>
               <a:rPr lang="en-US" sz="2400" dirty="0" smtClean="0"/>
-              <a:t>Query databases (IEDB)</a:t>
-            </a:r>
+              <a:t>Query databases (IEDB</a:t>
+            </a:r>
+            <a:r>
+              <a:rPr lang="en-US" sz="2400" dirty="0" smtClean="0"/>
+              <a:t>)</a:t>
+            </a:r>
+            <a:endParaRPr lang="en-US" sz="2400" dirty="0" smtClean="0"/>
           </a:p>
           <a:p>
             <a:pPr lvl="1"/>
@@ -3838,7 +3870,7 @@
         <p:spPr/>
         <p:txBody>
           <a:bodyPr>
-            <a:normAutofit fontScale="92500" lnSpcReduction="10000"/>
+            <a:normAutofit fontScale="92500" lnSpcReduction="20000"/>
           </a:bodyPr>
           <a:lstStyle/>
           <a:p>
@@ -3913,8 +3945,24 @@
             <a:pPr lvl="1"/>
             <a:r>
               <a:rPr lang="en-US" dirty="0" smtClean="0"/>
-              <a:t>Aim to reduce anonymous class expressions in logical definitions</a:t>
-            </a:r>
+              <a:t>Aim to reduce anonymous class expressions in logical </a:t>
+            </a:r>
+            <a:r>
+              <a:rPr lang="en-US" dirty="0" smtClean="0"/>
+              <a:t>definitions</a:t>
+            </a:r>
+          </a:p>
+          <a:p>
+            <a:pPr lvl="1"/>
+            <a:r>
+              <a:rPr lang="en-US" dirty="0" smtClean="0"/>
+              <a:t>Focus on developing </a:t>
+            </a:r>
+            <a:r>
+              <a:rPr lang="en-US" smtClean="0"/>
+              <a:t>design patterns</a:t>
+            </a:r>
+            <a:endParaRPr lang="en-US" dirty="0" smtClean="0"/>
           </a:p>
           <a:p>
             <a:r>

--- a/trunk/docs/presentations/2010-02 OBO foundry presentation.pptx
+++ b/trunk/docs/presentations/2010-02 OBO foundry presentation.pptx
@@ -5,18 +5,19 @@
     <p:sldMasterId id="2147483648" r:id="rId1"/>
   </p:sldMasterIdLst>
   <p:notesMasterIdLst>
-    <p:notesMasterId r:id="rId11"/>
+    <p:notesMasterId r:id="rId12"/>
   </p:notesMasterIdLst>
   <p:sldIdLst>
     <p:sldId id="256" r:id="rId2"/>
     <p:sldId id="257" r:id="rId3"/>
     <p:sldId id="258" r:id="rId4"/>
     <p:sldId id="259" r:id="rId5"/>
-    <p:sldId id="260" r:id="rId6"/>
-    <p:sldId id="261" r:id="rId7"/>
-    <p:sldId id="263" r:id="rId8"/>
-    <p:sldId id="262" r:id="rId9"/>
-    <p:sldId id="264" r:id="rId10"/>
+    <p:sldId id="265" r:id="rId6"/>
+    <p:sldId id="260" r:id="rId7"/>
+    <p:sldId id="261" r:id="rId8"/>
+    <p:sldId id="263" r:id="rId9"/>
+    <p:sldId id="262" r:id="rId10"/>
+    <p:sldId id="264" r:id="rId11"/>
   </p:sldIdLst>
   <p:sldSz cx="9144000" cy="6858000" type="screen4x3"/>
   <p:notesSz cx="6858000" cy="9144000"/>
@@ -201,7 +202,7 @@
             <a:fld id="{510DB5D2-E16B-4A69-80E7-FD71AE2D23B1}" type="datetimeFigureOut">
               <a:rPr lang="en-US" smtClean="0"/>
               <a:pPr/>
-              <a:t>2/14/2010</a:t>
+              <a:t>2/15/2010</a:t>
             </a:fld>
             <a:endParaRPr lang="en-US"/>
           </a:p>
@@ -617,7 +618,7 @@
             <a:fld id="{F71791A0-6448-4561-8A09-304732AD6F2E}" type="slidenum">
               <a:rPr lang="en-US" smtClean="0"/>
               <a:pPr/>
-              <a:t>5</a:t>
+              <a:t>6</a:t>
             </a:fld>
             <a:endParaRPr lang="en-US"/>
           </a:p>
@@ -813,7 +814,7 @@
             <a:fld id="{1D8BD707-D9CF-40AE-B4C6-C98DA3205C09}" type="datetimeFigureOut">
               <a:rPr lang="en-US" smtClean="0"/>
               <a:pPr/>
-              <a:t>2/14/2010</a:t>
+              <a:t>2/15/2010</a:t>
             </a:fld>
             <a:endParaRPr lang="en-US"/>
           </a:p>
@@ -980,7 +981,7 @@
             <a:fld id="{1D8BD707-D9CF-40AE-B4C6-C98DA3205C09}" type="datetimeFigureOut">
               <a:rPr lang="en-US" smtClean="0"/>
               <a:pPr/>
-              <a:t>2/14/2010</a:t>
+              <a:t>2/15/2010</a:t>
             </a:fld>
             <a:endParaRPr lang="en-US"/>
           </a:p>
@@ -1157,7 +1158,7 @@
             <a:fld id="{1D8BD707-D9CF-40AE-B4C6-C98DA3205C09}" type="datetimeFigureOut">
               <a:rPr lang="en-US" smtClean="0"/>
               <a:pPr/>
-              <a:t>2/14/2010</a:t>
+              <a:t>2/15/2010</a:t>
             </a:fld>
             <a:endParaRPr lang="en-US"/>
           </a:p>
@@ -1324,7 +1325,7 @@
             <a:fld id="{1D8BD707-D9CF-40AE-B4C6-C98DA3205C09}" type="datetimeFigureOut">
               <a:rPr lang="en-US" smtClean="0"/>
               <a:pPr/>
-              <a:t>2/14/2010</a:t>
+              <a:t>2/15/2010</a:t>
             </a:fld>
             <a:endParaRPr lang="en-US"/>
           </a:p>
@@ -1567,7 +1568,7 @@
             <a:fld id="{1D8BD707-D9CF-40AE-B4C6-C98DA3205C09}" type="datetimeFigureOut">
               <a:rPr lang="en-US" smtClean="0"/>
               <a:pPr/>
-              <a:t>2/14/2010</a:t>
+              <a:t>2/15/2010</a:t>
             </a:fld>
             <a:endParaRPr lang="en-US"/>
           </a:p>
@@ -1852,7 +1853,7 @@
             <a:fld id="{1D8BD707-D9CF-40AE-B4C6-C98DA3205C09}" type="datetimeFigureOut">
               <a:rPr lang="en-US" smtClean="0"/>
               <a:pPr/>
-              <a:t>2/14/2010</a:t>
+              <a:t>2/15/2010</a:t>
             </a:fld>
             <a:endParaRPr lang="en-US"/>
           </a:p>
@@ -2271,7 +2272,7 @@
             <a:fld id="{1D8BD707-D9CF-40AE-B4C6-C98DA3205C09}" type="datetimeFigureOut">
               <a:rPr lang="en-US" smtClean="0"/>
               <a:pPr/>
-              <a:t>2/14/2010</a:t>
+              <a:t>2/15/2010</a:t>
             </a:fld>
             <a:endParaRPr lang="en-US"/>
           </a:p>
@@ -2386,7 +2387,7 @@
             <a:fld id="{1D8BD707-D9CF-40AE-B4C6-C98DA3205C09}" type="datetimeFigureOut">
               <a:rPr lang="en-US" smtClean="0"/>
               <a:pPr/>
-              <a:t>2/14/2010</a:t>
+              <a:t>2/15/2010</a:t>
             </a:fld>
             <a:endParaRPr lang="en-US"/>
           </a:p>
@@ -2478,7 +2479,7 @@
             <a:fld id="{1D8BD707-D9CF-40AE-B4C6-C98DA3205C09}" type="datetimeFigureOut">
               <a:rPr lang="en-US" smtClean="0"/>
               <a:pPr/>
-              <a:t>2/14/2010</a:t>
+              <a:t>2/15/2010</a:t>
             </a:fld>
             <a:endParaRPr lang="en-US"/>
           </a:p>
@@ -2752,7 +2753,7 @@
             <a:fld id="{1D8BD707-D9CF-40AE-B4C6-C98DA3205C09}" type="datetimeFigureOut">
               <a:rPr lang="en-US" smtClean="0"/>
               <a:pPr/>
-              <a:t>2/14/2010</a:t>
+              <a:t>2/15/2010</a:t>
             </a:fld>
             <a:endParaRPr lang="en-US"/>
           </a:p>
@@ -3002,7 +3003,7 @@
             <a:fld id="{1D8BD707-D9CF-40AE-B4C6-C98DA3205C09}" type="datetimeFigureOut">
               <a:rPr lang="en-US" smtClean="0"/>
               <a:pPr/>
-              <a:t>2/14/2010</a:t>
+              <a:t>2/15/2010</a:t>
             </a:fld>
             <a:endParaRPr lang="en-US"/>
           </a:p>
@@ -3212,7 +3213,7 @@
             <a:fld id="{1D8BD707-D9CF-40AE-B4C6-C98DA3205C09}" type="datetimeFigureOut">
               <a:rPr lang="en-US" smtClean="0"/>
               <a:pPr/>
-              <a:t>2/14/2010</a:t>
+              <a:t>2/15/2010</a:t>
             </a:fld>
             <a:endParaRPr lang="en-US"/>
           </a:p>
@@ -3657,6 +3658,293 @@
 </p:sld>
 </file>
 
+<file path=ppt/slides/slide10.xml><?xml version="1.0" encoding="utf-8"?>
+<p:sld xmlns:a="http://schemas.openxmlformats.org/drawingml/2006/main" xmlns:r="http://schemas.openxmlformats.org/officeDocument/2006/relationships" xmlns:p="http://schemas.openxmlformats.org/presentationml/2006/main">
+  <p:cSld>
+    <p:spTree>
+      <p:nvGrpSpPr>
+        <p:cNvPr id="1" name=""/>
+        <p:cNvGrpSpPr/>
+        <p:nvPr/>
+      </p:nvGrpSpPr>
+      <p:grpSpPr>
+        <a:xfrm>
+          <a:off x="0" y="0"/>
+          <a:ext cx="0" cy="0"/>
+          <a:chOff x="0" y="0"/>
+          <a:chExt cx="0" cy="0"/>
+        </a:xfrm>
+      </p:grpSpPr>
+      <p:sp>
+        <p:nvSpPr>
+          <p:cNvPr id="2" name="Title 1"/>
+          <p:cNvSpPr>
+            <a:spLocks noGrp="1"/>
+          </p:cNvSpPr>
+          <p:nvPr>
+            <p:ph type="title"/>
+          </p:nvPr>
+        </p:nvSpPr>
+        <p:spPr>
+          <a:xfrm>
+            <a:off x="457200" y="0"/>
+            <a:ext cx="8229600" cy="1143000"/>
+          </a:xfrm>
+        </p:spPr>
+        <p:txBody>
+          <a:bodyPr/>
+          <a:lstStyle/>
+          <a:p>
+            <a:r>
+              <a:rPr lang="en-US" dirty="0" smtClean="0"/>
+              <a:t>Thanks!</a:t>
+            </a:r>
+            <a:endParaRPr lang="en-US" dirty="0"/>
+          </a:p>
+        </p:txBody>
+      </p:sp>
+      <p:sp>
+        <p:nvSpPr>
+          <p:cNvPr id="3" name="Content Placeholder 2"/>
+          <p:cNvSpPr>
+            <a:spLocks noGrp="1"/>
+          </p:cNvSpPr>
+          <p:nvPr>
+            <p:ph idx="1"/>
+          </p:nvPr>
+        </p:nvSpPr>
+        <p:spPr>
+          <a:xfrm>
+            <a:off x="457200" y="1143000"/>
+            <a:ext cx="8229600" cy="4983163"/>
+          </a:xfrm>
+        </p:spPr>
+        <p:txBody>
+          <a:bodyPr>
+            <a:normAutofit fontScale="77500" lnSpcReduction="20000"/>
+          </a:bodyPr>
+          <a:lstStyle/>
+          <a:p>
+            <a:r>
+              <a:rPr lang="en-US" dirty="0" smtClean="0"/>
+              <a:t>Next workshop: March 22-25, Vancouver, Canada</a:t>
+            </a:r>
+            <a:endParaRPr lang="en-US" dirty="0" smtClean="0">
+              <a:hlinkClick r:id="rId2"/>
+            </a:endParaRPr>
+          </a:p>
+          <a:p>
+            <a:r>
+              <a:rPr lang="en-US" dirty="0" smtClean="0">
+                <a:hlinkClick r:id="rId2"/>
+              </a:rPr>
+              <a:t>http://obi-ontology.org/</a:t>
+            </a:r>
+            <a:endParaRPr lang="en-US" dirty="0" smtClean="0"/>
+          </a:p>
+          <a:p>
+            <a:r>
+              <a:rPr lang="en-US" dirty="0" smtClean="0"/>
+              <a:t>Ryan Brinkman, Bill Bug, Kevin Clancy, </a:t>
+            </a:r>
+            <a:r>
+              <a:rPr lang="en-US" dirty="0" err="1" smtClean="0"/>
+              <a:t>Mélanie</a:t>
+            </a:r>
+            <a:r>
+              <a:rPr lang="en-US" dirty="0" smtClean="0"/>
+              <a:t> </a:t>
+            </a:r>
+            <a:r>
+              <a:rPr lang="en-US" dirty="0" err="1" smtClean="0"/>
+              <a:t>Courtot</a:t>
+            </a:r>
+            <a:r>
+              <a:rPr lang="en-US" dirty="0" smtClean="0"/>
+              <a:t>, Dirk </a:t>
+            </a:r>
+            <a:r>
+              <a:rPr lang="en-US" dirty="0" err="1" smtClean="0"/>
+              <a:t>Derom</a:t>
+            </a:r>
+            <a:r>
+              <a:rPr lang="en-US" dirty="0" smtClean="0"/>
+              <a:t>, </a:t>
+            </a:r>
+            <a:r>
+              <a:rPr lang="en-US" dirty="0" err="1" smtClean="0"/>
+              <a:t>Liju</a:t>
+            </a:r>
+            <a:r>
+              <a:rPr lang="en-US" dirty="0" smtClean="0"/>
+              <a:t> Fan, Dawn Field, Jennifer </a:t>
+            </a:r>
+            <a:r>
+              <a:rPr lang="en-US" dirty="0" err="1" smtClean="0"/>
+              <a:t>Fostel</a:t>
+            </a:r>
+            <a:r>
+              <a:rPr lang="en-US" dirty="0" smtClean="0"/>
+              <a:t>, Gilberto </a:t>
+            </a:r>
+            <a:r>
+              <a:rPr lang="en-US" dirty="0" err="1" smtClean="0"/>
+              <a:t>Fragoso</a:t>
+            </a:r>
+            <a:r>
+              <a:rPr lang="en-US" dirty="0" smtClean="0"/>
+              <a:t>, Frank Gibson, </a:t>
+            </a:r>
+            <a:r>
+              <a:rPr lang="en-US" dirty="0" err="1" smtClean="0"/>
+              <a:t>Yongqun</a:t>
+            </a:r>
+            <a:r>
+              <a:rPr lang="en-US" dirty="0" smtClean="0"/>
+              <a:t> He, Tina Hernandez-</a:t>
+            </a:r>
+            <a:r>
+              <a:rPr lang="en-US" dirty="0" err="1" smtClean="0"/>
+              <a:t>Boussard</a:t>
+            </a:r>
+            <a:r>
+              <a:rPr lang="en-US" dirty="0" smtClean="0"/>
+              <a:t>, Phillip Lord, Allyson L. Lister, James Malone, </a:t>
+            </a:r>
+            <a:r>
+              <a:rPr lang="en-US" dirty="0" err="1" smtClean="0"/>
+              <a:t>Monnie</a:t>
+            </a:r>
+            <a:r>
+              <a:rPr lang="en-US" dirty="0" smtClean="0"/>
+              <a:t> McGee, </a:t>
+            </a:r>
+            <a:r>
+              <a:rPr lang="en-US" dirty="0" err="1" smtClean="0"/>
+              <a:t>Elisabetta</a:t>
+            </a:r>
+            <a:r>
+              <a:rPr lang="en-US" dirty="0" smtClean="0"/>
+              <a:t> </a:t>
+            </a:r>
+            <a:r>
+              <a:rPr lang="en-US" dirty="0" err="1" smtClean="0"/>
+              <a:t>Manduchi</a:t>
+            </a:r>
+            <a:r>
+              <a:rPr lang="en-US" dirty="0" smtClean="0"/>
+              <a:t>, Norman Morrison, Helen Parkinson, Bjoern Peters, Philippe </a:t>
+            </a:r>
+            <a:r>
+              <a:rPr lang="en-US" dirty="0" err="1" smtClean="0"/>
+              <a:t>Rocca</a:t>
+            </a:r>
+            <a:r>
+              <a:rPr lang="en-US" dirty="0" smtClean="0"/>
+              <a:t>-Serra, Alan </a:t>
+            </a:r>
+            <a:r>
+              <a:rPr lang="en-US" dirty="0" err="1" smtClean="0"/>
+              <a:t>Ruttenberg</a:t>
+            </a:r>
+            <a:r>
+              <a:rPr lang="en-US" dirty="0" smtClean="0"/>
+              <a:t>, Susanna-</a:t>
+            </a:r>
+            <a:r>
+              <a:rPr lang="en-US" dirty="0" err="1" smtClean="0"/>
+              <a:t>Assunta</a:t>
+            </a:r>
+            <a:r>
+              <a:rPr lang="en-US" dirty="0" smtClean="0"/>
+              <a:t> </a:t>
+            </a:r>
+            <a:r>
+              <a:rPr lang="en-US" dirty="0" err="1" smtClean="0"/>
+              <a:t>Sansone</a:t>
+            </a:r>
+            <a:r>
+              <a:rPr lang="en-US" dirty="0" smtClean="0"/>
+              <a:t>, Richard H. </a:t>
+            </a:r>
+            <a:r>
+              <a:rPr lang="en-US" dirty="0" err="1" smtClean="0"/>
+              <a:t>Scheuermann</a:t>
+            </a:r>
+            <a:r>
+              <a:rPr lang="en-US" dirty="0" smtClean="0"/>
+              <a:t>, Daniel </a:t>
+            </a:r>
+            <a:r>
+              <a:rPr lang="en-US" dirty="0" err="1" smtClean="0"/>
+              <a:t>Schober</a:t>
+            </a:r>
+            <a:r>
+              <a:rPr lang="en-US" dirty="0" smtClean="0"/>
+              <a:t>, Barry Smith, Larisa N. </a:t>
+            </a:r>
+            <a:r>
+              <a:rPr lang="en-US" dirty="0" err="1" smtClean="0"/>
+              <a:t>Soldatova</a:t>
+            </a:r>
+            <a:r>
+              <a:rPr lang="en-US" dirty="0" smtClean="0"/>
+              <a:t>, Christian J. </a:t>
+            </a:r>
+            <a:r>
+              <a:rPr lang="en-US" dirty="0" err="1" smtClean="0"/>
+              <a:t>Stoeckert</a:t>
+            </a:r>
+            <a:r>
+              <a:rPr lang="en-US" dirty="0" smtClean="0"/>
+              <a:t> Jr., Chris F Taylor, Patricia L. </a:t>
+            </a:r>
+            <a:r>
+              <a:rPr lang="en-US" dirty="0" err="1" smtClean="0"/>
+              <a:t>Whetzel</a:t>
+            </a:r>
+            <a:r>
+              <a:rPr lang="en-US" dirty="0" smtClean="0"/>
+              <a:t> and </a:t>
+            </a:r>
+            <a:r>
+              <a:rPr lang="en-US" dirty="0" err="1" smtClean="0"/>
+              <a:t>Jie</a:t>
+            </a:r>
+            <a:r>
+              <a:rPr lang="en-US" dirty="0" smtClean="0"/>
+              <a:t> </a:t>
+            </a:r>
+            <a:r>
+              <a:rPr lang="en-US" dirty="0" err="1" smtClean="0"/>
+              <a:t>Zheng</a:t>
+            </a:r>
+            <a:endParaRPr lang="en-US" dirty="0" smtClean="0"/>
+          </a:p>
+          <a:p>
+            <a:r>
+              <a:rPr lang="en-US" i="1" dirty="0" smtClean="0"/>
+              <a:t>Who is going to be our independent users, if we force everyone </a:t>
+            </a:r>
+            <a:r>
+              <a:rPr lang="en-US" i="1" smtClean="0"/>
+              <a:t>to contribute?</a:t>
+            </a:r>
+            <a:endParaRPr lang="en-US" dirty="0" smtClean="0"/>
+          </a:p>
+          <a:p>
+            <a:endParaRPr lang="en-US" dirty="0"/>
+          </a:p>
+        </p:txBody>
+      </p:sp>
+    </p:spTree>
+  </p:cSld>
+  <p:clrMapOvr>
+    <a:masterClrMapping/>
+  </p:clrMapOvr>
+</p:sld>
+</file>
+
 <file path=ppt/slides/slide2.xml><?xml version="1.0" encoding="utf-8"?>
 <p:sld xmlns:a="http://schemas.openxmlformats.org/drawingml/2006/main" xmlns:r="http://schemas.openxmlformats.org/officeDocument/2006/relationships" xmlns:p="http://schemas.openxmlformats.org/presentationml/2006/main">
   <p:cSld>
@@ -3710,7 +3998,7 @@
         <p:spPr/>
         <p:txBody>
           <a:bodyPr>
-            <a:normAutofit fontScale="92500" lnSpcReduction="10000"/>
+            <a:normAutofit fontScale="92500" lnSpcReduction="20000"/>
           </a:bodyPr>
           <a:lstStyle/>
           <a:p>
@@ -3730,15 +4018,15 @@
             </a:br>
             <a:r>
               <a:rPr lang="en-US" sz="2200" dirty="0" smtClean="0"/>
-              <a:t>(Vaccine </a:t>
+              <a:t>(Vaccine protection, Neuroscience, </a:t>
             </a:r>
             <a:r>
               <a:rPr lang="en-US" sz="2200" dirty="0" smtClean="0"/>
-              <a:t>protection, </a:t>
+              <a:t>Automated </a:t>
             </a:r>
             <a:r>
               <a:rPr lang="en-US" sz="2200" dirty="0" smtClean="0"/>
-              <a:t>Neuroscience, automated functional genomics)</a:t>
+              <a:t>functional genomics)</a:t>
             </a:r>
             <a:endParaRPr lang="en-US" sz="2400" dirty="0" smtClean="0"/>
           </a:p>
@@ -3746,11 +4034,7 @@
             <a:pPr lvl="1"/>
             <a:r>
               <a:rPr lang="en-US" sz="2400" dirty="0" smtClean="0"/>
-              <a:t>Create </a:t>
-            </a:r>
-            <a:r>
-              <a:rPr lang="en-US" sz="2400" dirty="0" smtClean="0"/>
-              <a:t>data analysis workflows (</a:t>
+              <a:t>Create data analysis workflows (</a:t>
             </a:r>
             <a:r>
               <a:rPr lang="en-US" sz="2400" dirty="0" err="1" smtClean="0"/>
@@ -3765,13 +4049,8 @@
             <a:pPr lvl="1"/>
             <a:r>
               <a:rPr lang="en-US" sz="2400" dirty="0" smtClean="0"/>
-              <a:t>Query databases (IEDB</a:t>
-            </a:r>
-            <a:r>
-              <a:rPr lang="en-US" sz="2400" dirty="0" smtClean="0"/>
-              <a:t>)</a:t>
-            </a:r>
-            <a:endParaRPr lang="en-US" sz="2400" dirty="0" smtClean="0"/>
+              <a:t>Query databases (IEDB)</a:t>
+            </a:r>
           </a:p>
           <a:p>
             <a:pPr lvl="1"/>
@@ -3783,8 +4062,20 @@
           <a:p>
             <a:r>
               <a:rPr lang="en-US" sz="2800" dirty="0" smtClean="0"/>
-              <a:t> Release of OBI ‘Release candidate 1.0’ (Philly release)</a:t>
-            </a:r>
+              <a:t> Release of OBI ‘Release candidate 1.0’ (Philly release</a:t>
+            </a:r>
+            <a:r>
+              <a:rPr lang="en-US" sz="2800" dirty="0" smtClean="0"/>
+              <a:t>)</a:t>
+            </a:r>
+          </a:p>
+          <a:p>
+            <a:pPr lvl="1"/>
+            <a:r>
+              <a:rPr lang="en-US" sz="2400" dirty="0" smtClean="0"/>
+              <a:t>Major cleanup of all terms </a:t>
+            </a:r>
+            <a:endParaRPr lang="en-US" sz="2400" dirty="0" smtClean="0"/>
           </a:p>
           <a:p>
             <a:r>
@@ -3870,7 +4161,7 @@
         <p:spPr/>
         <p:txBody>
           <a:bodyPr>
-            <a:normAutofit fontScale="92500" lnSpcReduction="20000"/>
+            <a:normAutofit fontScale="85000" lnSpcReduction="20000"/>
           </a:bodyPr>
           <a:lstStyle/>
           <a:p>
@@ -3949,20 +4240,16 @@
             </a:r>
             <a:r>
               <a:rPr lang="en-US" dirty="0" smtClean="0"/>
-              <a:t>definitions</a:t>
-            </a:r>
+              <a:t>definitions (requires asserting under classes with N&amp;S conditions)</a:t>
+            </a:r>
+            <a:endParaRPr lang="en-US" dirty="0" smtClean="0"/>
           </a:p>
           <a:p>
             <a:pPr lvl="1"/>
             <a:r>
               <a:rPr lang="en-US" dirty="0" smtClean="0"/>
-              <a:t>Focus on developing </a:t>
-            </a:r>
-            <a:r>
-              <a:rPr lang="en-US" smtClean="0"/>
-              <a:t>design patterns</a:t>
-            </a:r>
-            <a:endParaRPr lang="en-US" dirty="0" smtClean="0"/>
+              <a:t>Focus on developing design patterns</a:t>
+            </a:r>
           </a:p>
           <a:p>
             <a:r>
@@ -4114,7 +4401,7 @@
           <a:p>
             <a:r>
               <a:rPr lang="en-US" dirty="0" smtClean="0"/>
-              <a:t>Future Plans</a:t>
+              <a:t>Examples</a:t>
             </a:r>
             <a:endParaRPr lang="en-US" dirty="0"/>
           </a:p>
@@ -4132,39 +4419,164 @@
         </p:nvSpPr>
         <p:spPr/>
         <p:txBody>
-          <a:bodyPr/>
-          <a:lstStyle/>
-          <a:p>
-            <a:r>
-              <a:rPr lang="en-US" dirty="0" smtClean="0"/>
-              <a:t>Continue development for currently driving projects (e.g. mapping of MGED Ontology into OBI, influenza research network, text mining)</a:t>
-            </a:r>
-          </a:p>
-          <a:p>
-            <a:r>
-              <a:rPr lang="en-US" dirty="0" smtClean="0"/>
-              <a:t>Expand to projects that expressed interest</a:t>
+          <a:bodyPr>
+            <a:noAutofit/>
+          </a:bodyPr>
+          <a:lstStyle/>
+          <a:p>
+            <a:r>
+              <a:rPr lang="en-US" sz="2400" dirty="0" smtClean="0"/>
+              <a:t>Use of GO</a:t>
             </a:r>
             <a:br>
-              <a:rPr lang="en-US" dirty="0" smtClean="0"/>
+              <a:rPr lang="en-US" sz="2400" dirty="0" smtClean="0"/>
             </a:br>
             <a:r>
-              <a:rPr lang="en-US" dirty="0" smtClean="0"/>
-              <a:t>(e.g. BIRN/NIF, RNAO, eagle-I)</a:t>
-            </a:r>
-          </a:p>
-          <a:p>
-            <a:r>
-              <a:rPr lang="en-US" dirty="0" smtClean="0"/>
-              <a:t>Develop processes and tools to enable large scale term submissions / ontology integration</a:t>
+              <a:rPr lang="en-US" sz="2400" dirty="0" smtClean="0"/>
+              <a:t>‘assay detecting IFN-gamma production’</a:t>
+            </a:r>
+            <a:br>
+              <a:rPr lang="en-US" sz="2400" dirty="0" smtClean="0"/>
+            </a:br>
+            <a:r>
+              <a:rPr lang="en-US" sz="2400" dirty="0" smtClean="0"/>
+              <a:t>assay and </a:t>
+            </a:r>
+            <a:r>
+              <a:rPr lang="en-US" sz="2400" i="1" dirty="0" smtClean="0"/>
+              <a:t>has specified output </a:t>
+            </a:r>
+            <a:r>
+              <a:rPr lang="en-US" sz="2400" dirty="0" smtClean="0"/>
+              <a:t>some measurement datum and </a:t>
+            </a:r>
+            <a:r>
+              <a:rPr lang="en-US" sz="2400" i="1" dirty="0" smtClean="0"/>
+              <a:t>is about </a:t>
+            </a:r>
+            <a:r>
+              <a:rPr lang="en-US" sz="2400" dirty="0" smtClean="0"/>
+              <a:t>some IFN-gamma </a:t>
+            </a:r>
+            <a:r>
+              <a:rPr lang="en-US" sz="2400" dirty="0" smtClean="0"/>
+              <a:t>production (</a:t>
+            </a:r>
+            <a:r>
+              <a:rPr lang="en-US" sz="2400" dirty="0" smtClean="0"/>
+              <a:t>GO:0032609)</a:t>
+            </a:r>
+          </a:p>
+          <a:p>
+            <a:pPr>
+              <a:buNone/>
+            </a:pPr>
+            <a:r>
+              <a:rPr lang="en-US" sz="2400" dirty="0" smtClean="0"/>
+              <a:t>	Inferred subclasses: </a:t>
             </a:r>
           </a:p>
           <a:p>
             <a:pPr lvl="1"/>
-            <a:endParaRPr lang="en-US" dirty="0" smtClean="0"/>
-          </a:p>
-          <a:p>
-            <a:endParaRPr lang="en-US" dirty="0"/>
+            <a:r>
+              <a:rPr lang="en-US" sz="2400" dirty="0" smtClean="0"/>
+              <a:t>‘T cell ELISA IFN-gamma assay’</a:t>
+            </a:r>
+          </a:p>
+          <a:p>
+            <a:pPr lvl="1"/>
+            <a:r>
+              <a:rPr lang="en-US" sz="2400" dirty="0" smtClean="0"/>
+              <a:t>‘T cell intracellular cytokine staining IFN-gamma assay’</a:t>
+            </a:r>
+          </a:p>
+          <a:p>
+            <a:r>
+              <a:rPr lang="en-US" sz="2400" dirty="0" smtClean="0"/>
+              <a:t>Use of ChEBI:</a:t>
+            </a:r>
+          </a:p>
+          <a:p>
+            <a:pPr lvl="1">
+              <a:buNone/>
+            </a:pPr>
+            <a:r>
+              <a:rPr lang="en-US" sz="2400" dirty="0" smtClean="0"/>
+              <a:t>‘</a:t>
+            </a:r>
+            <a:r>
+              <a:rPr lang="en-US" sz="2400" dirty="0" err="1" smtClean="0"/>
+              <a:t>tritiated</a:t>
+            </a:r>
+            <a:r>
+              <a:rPr lang="en-US" sz="2400" dirty="0" smtClean="0"/>
+              <a:t> </a:t>
+            </a:r>
+            <a:r>
+              <a:rPr lang="en-US" sz="2400" dirty="0" err="1" smtClean="0"/>
+              <a:t>thymidine</a:t>
+            </a:r>
+            <a:r>
+              <a:rPr lang="en-US" sz="2400" dirty="0" smtClean="0"/>
+              <a:t> incorporation assay’</a:t>
+            </a:r>
+          </a:p>
+          <a:p>
+            <a:pPr lvl="1">
+              <a:buNone/>
+            </a:pPr>
+            <a:r>
+              <a:rPr lang="en-US" sz="2400" dirty="0" smtClean="0"/>
+              <a:t>	</a:t>
+            </a:r>
+            <a:r>
+              <a:rPr lang="en-US" sz="2400" i="1" dirty="0" smtClean="0"/>
+              <a:t>realizes </a:t>
+            </a:r>
+            <a:r>
+              <a:rPr lang="en-US" sz="2400" dirty="0" smtClean="0"/>
+              <a:t>some label role and </a:t>
+            </a:r>
+            <a:r>
+              <a:rPr lang="en-US" sz="2400" i="1" dirty="0" smtClean="0"/>
+              <a:t>inheres in </a:t>
+            </a:r>
+            <a:r>
+              <a:rPr lang="en-US" sz="2400" dirty="0" smtClean="0"/>
+              <a:t>some </a:t>
+            </a:r>
+            <a:r>
+              <a:rPr lang="en-US" sz="2400" dirty="0" err="1" smtClean="0"/>
+              <a:t>tritiated</a:t>
+            </a:r>
+            <a:r>
+              <a:rPr lang="en-US" sz="2400" dirty="0" smtClean="0"/>
+              <a:t> </a:t>
+            </a:r>
+            <a:r>
+              <a:rPr lang="en-US" sz="2400" dirty="0" err="1" smtClean="0"/>
+              <a:t>thymidine</a:t>
+            </a:r>
+            <a:r>
+              <a:rPr lang="en-US" sz="2400" dirty="0" smtClean="0"/>
+              <a:t> (</a:t>
+            </a:r>
+            <a:r>
+              <a:rPr lang="en-US" sz="2400" dirty="0" smtClean="0"/>
+              <a:t>CHEBI:53526)</a:t>
+            </a:r>
+          </a:p>
+          <a:p>
+            <a:pPr lvl="1">
+              <a:buNone/>
+            </a:pPr>
+            <a:endParaRPr lang="en-US" sz="2400" dirty="0" smtClean="0"/>
+          </a:p>
+          <a:p>
+            <a:pPr lvl="1">
+              <a:buNone/>
+            </a:pPr>
+            <a:endParaRPr lang="en-US" sz="2400" dirty="0" smtClean="0"/>
           </a:p>
         </p:txBody>
       </p:sp>
@@ -4210,7 +4622,7 @@
           <a:p>
             <a:r>
               <a:rPr lang="en-US" dirty="0" smtClean="0"/>
-              <a:t>Foundry requests / concerns</a:t>
+              <a:t>Future Plans</a:t>
             </a:r>
             <a:endParaRPr lang="en-US" dirty="0"/>
           </a:p>
@@ -4228,81 +4640,47 @@
         </p:nvSpPr>
         <p:spPr/>
         <p:txBody>
-          <a:bodyPr>
-            <a:normAutofit fontScale="92500" lnSpcReduction="20000"/>
-          </a:bodyPr>
-          <a:lstStyle/>
-          <a:p>
-            <a:r>
-              <a:rPr lang="en-US" sz="2800" dirty="0" smtClean="0"/>
-              <a:t>What are the OBO Foundry principles? </a:t>
+          <a:bodyPr/>
+          <a:lstStyle/>
+          <a:p>
+            <a:r>
+              <a:rPr lang="en-US" dirty="0" smtClean="0"/>
+              <a:t>Continue development for currently driving projects (e.g. mapping of MGED Ontology into OBI, influenza research </a:t>
+            </a:r>
+            <a:r>
+              <a:rPr lang="en-US" dirty="0" smtClean="0"/>
+              <a:t>database &amp; network, </a:t>
+            </a:r>
+            <a:r>
+              <a:rPr lang="en-US" dirty="0" smtClean="0"/>
+              <a:t>text mining)</a:t>
+            </a:r>
+          </a:p>
+          <a:p>
+            <a:r>
+              <a:rPr lang="en-US" dirty="0" smtClean="0"/>
+              <a:t>Expand to projects that expressed interest</a:t>
             </a:r>
             <a:br>
-              <a:rPr lang="en-US" sz="2800" dirty="0" smtClean="0"/>
+              <a:rPr lang="en-US" dirty="0" smtClean="0"/>
             </a:br>
             <a:r>
-              <a:rPr lang="en-US" sz="2800" dirty="0" smtClean="0"/>
-              <a:t>These </a:t>
-            </a:r>
-            <a:r>
-              <a:rPr lang="en-US" sz="2800" dirty="0" smtClean="0">
-                <a:hlinkClick r:id="rId2" tooltip="http://obofoundry.org/crit.shtml"/>
-              </a:rPr>
-              <a:t>http://obofoundry.org/crit.shtml</a:t>
-            </a:r>
-            <a:r>
-              <a:rPr lang="en-US" sz="2800" dirty="0" smtClean="0"/>
-              <a:t> </a:t>
-            </a:r>
-            <a:br>
-              <a:rPr lang="en-US" sz="2800" dirty="0" smtClean="0"/>
-            </a:br>
-            <a:r>
-              <a:rPr lang="en-US" sz="2800" dirty="0" smtClean="0"/>
-              <a:t>or these </a:t>
-            </a:r>
-            <a:r>
-              <a:rPr lang="en-US" sz="2800" dirty="0" smtClean="0">
-                <a:hlinkClick r:id="rId3" tooltip="http://obofoundry.org/wiki/index.php/OBO_Foundry_Principles"/>
-              </a:rPr>
-              <a:t>http://obofoundry.org/wiki/index.php/OBO_Foundry_Principles</a:t>
-            </a:r>
-            <a:endParaRPr lang="en-US" sz="2800" dirty="0" smtClean="0"/>
-          </a:p>
-          <a:p>
-            <a:r>
-              <a:rPr lang="en-US" sz="2800" dirty="0" smtClean="0"/>
-              <a:t>A clear distinction of what it means to be a member of the OBO library a candidate and the OBO Foundry should be made more explicit on the foundry site. </a:t>
-            </a:r>
-          </a:p>
-          <a:p>
-            <a:r>
-              <a:rPr lang="en-US" sz="2800" dirty="0" smtClean="0"/>
-              <a:t>What does OBI have to do to gain foundry status?</a:t>
-            </a:r>
-          </a:p>
-          <a:p>
-            <a:r>
-              <a:rPr lang="en-US" sz="2800" dirty="0" smtClean="0"/>
-              <a:t>What is the foundry decision making structure; who is responsible for what? </a:t>
-            </a:r>
-            <a:br>
-              <a:rPr lang="en-US" sz="2800" dirty="0" smtClean="0"/>
-            </a:br>
-            <a:r>
-              <a:rPr lang="en-US" sz="2800" dirty="0" smtClean="0"/>
-              <a:t>(a formal, transparent process would be great!)</a:t>
-            </a:r>
-          </a:p>
-          <a:p>
-            <a:pPr lvl="1">
-              <a:buNone/>
-            </a:pPr>
-            <a:r>
-              <a:rPr lang="en-US" sz="2400" dirty="0" smtClean="0"/>
-              <a:t> </a:t>
-            </a:r>
-            <a:endParaRPr lang="en-US" sz="2400" dirty="0"/>
+              <a:rPr lang="en-US" dirty="0" smtClean="0"/>
+              <a:t>(e.g. BIRN/NIF, RNAO, eagle-I)</a:t>
+            </a:r>
+          </a:p>
+          <a:p>
+            <a:r>
+              <a:rPr lang="en-US" dirty="0" smtClean="0"/>
+              <a:t>Develop processes and tools to enable large scale term submissions / ontology integration</a:t>
+            </a:r>
+          </a:p>
+          <a:p>
+            <a:pPr lvl="1"/>
+            <a:endParaRPr lang="en-US" dirty="0" smtClean="0"/>
+          </a:p>
+          <a:p>
+            <a:endParaRPr lang="en-US" dirty="0"/>
           </a:p>
         </p:txBody>
       </p:sp>
@@ -4367,56 +4745,96 @@
         <p:spPr/>
         <p:txBody>
           <a:bodyPr>
-            <a:noAutofit/>
+            <a:normAutofit fontScale="92500" lnSpcReduction="20000"/>
           </a:bodyPr>
           <a:lstStyle/>
           <a:p>
             <a:r>
-              <a:rPr lang="en-US" dirty="0" smtClean="0"/>
-              <a:t>State of BF0-2.0 and relations</a:t>
-            </a:r>
-          </a:p>
-          <a:p>
-            <a:pPr lvl="1"/>
-            <a:r>
-              <a:rPr lang="en-US" dirty="0" smtClean="0"/>
-              <a:t>Will there be public call for comments on a draft version (if yes, when?) </a:t>
-            </a:r>
-          </a:p>
-          <a:p>
-            <a:pPr lvl="1"/>
-            <a:r>
-              <a:rPr lang="en-US" dirty="0" smtClean="0"/>
-              <a:t>What is the status of OBI relations submitted to RO?</a:t>
-            </a:r>
-          </a:p>
-          <a:p>
-            <a:pPr lvl="1"/>
-            <a:r>
-              <a:rPr lang="en-US" dirty="0" smtClean="0"/>
-              <a:t>Will BFO be registered in the OBO Foundry (and subject to the same review criteria)?</a:t>
-            </a:r>
-          </a:p>
-          <a:p>
-            <a:pPr lvl="1"/>
-            <a:r>
-              <a:rPr lang="en-US" dirty="0" smtClean="0"/>
-              <a:t>It can be problematic to integrate with other resources that adopt BFO. Is there any plan to help to increase adoption rate?</a:t>
-            </a:r>
-          </a:p>
-          <a:p>
-            <a:pPr lvl="1"/>
-            <a:endParaRPr lang="en-US" dirty="0" smtClean="0"/>
-          </a:p>
-          <a:p>
-            <a:pPr lvl="1">
-              <a:buNone/>
-            </a:pPr>
-            <a:r>
-              <a:rPr lang="en-US" dirty="0" smtClean="0"/>
+              <a:rPr lang="en-US" sz="2800" dirty="0" smtClean="0"/>
+              <a:t>What are the OBO Foundry principles? </a:t>
+            </a:r>
+            <a:br>
+              <a:rPr lang="en-US" sz="2800" dirty="0" smtClean="0"/>
+            </a:br>
+            <a:r>
+              <a:rPr lang="en-US" sz="2800" dirty="0" smtClean="0"/>
+              <a:t>These </a:t>
+            </a:r>
+            <a:r>
+              <a:rPr lang="en-US" sz="2400" dirty="0" smtClean="0">
+                <a:hlinkClick r:id="rId2" tooltip="http://obofoundry.org/crit.shtml"/>
+              </a:rPr>
+              <a:t>http://obofoundry.org/crit.shtml</a:t>
+            </a:r>
+            <a:r>
+              <a:rPr lang="en-US" sz="2400" dirty="0" smtClean="0"/>
               <a:t> </a:t>
             </a:r>
-            <a:endParaRPr lang="en-US" dirty="0"/>
+            <a:r>
+              <a:rPr lang="en-US" sz="2800" dirty="0" smtClean="0"/>
+              <a:t/>
+            </a:r>
+            <a:br>
+              <a:rPr lang="en-US" sz="2800" dirty="0" smtClean="0"/>
+            </a:br>
+            <a:r>
+              <a:rPr lang="en-US" sz="2800" dirty="0" smtClean="0"/>
+              <a:t>or these </a:t>
+            </a:r>
+            <a:r>
+              <a:rPr lang="en-US" sz="2400" dirty="0" smtClean="0">
+                <a:hlinkClick r:id="rId3" tooltip="http://obofoundry.org/wiki/index.php/OBO_Foundry_Principles"/>
+              </a:rPr>
+              <a:t>http://obofoundry.org/wiki/index.php/OBO_Foundry_Principles</a:t>
+            </a:r>
+            <a:endParaRPr lang="en-US" sz="2400" dirty="0" smtClean="0"/>
+          </a:p>
+          <a:p>
+            <a:r>
+              <a:rPr lang="en-US" sz="2800" dirty="0" smtClean="0"/>
+              <a:t>A clear distinction of what it means to be a member of the OBO </a:t>
+            </a:r>
+            <a:r>
+              <a:rPr lang="en-US" sz="2800" b="1" dirty="0" smtClean="0"/>
+              <a:t>library </a:t>
+            </a:r>
+            <a:r>
+              <a:rPr lang="en-US" sz="2800" dirty="0" smtClean="0"/>
+              <a:t>a candidate and the OBO Foundry should be made more explicit on the foundry site. </a:t>
+            </a:r>
+          </a:p>
+          <a:p>
+            <a:r>
+              <a:rPr lang="en-US" sz="2800" dirty="0" smtClean="0"/>
+              <a:t>What does OBI have to do to gain foundry status</a:t>
+            </a:r>
+            <a:r>
+              <a:rPr lang="en-US" sz="2800" dirty="0" smtClean="0"/>
+              <a:t>? </a:t>
+            </a:r>
+            <a:r>
+              <a:rPr lang="en-US" sz="2800" i="1" dirty="0" smtClean="0"/>
+              <a:t>ANSWER: Demonstrate independent users. </a:t>
+            </a:r>
+            <a:endParaRPr lang="en-US" sz="2800" i="1" dirty="0" smtClean="0"/>
+          </a:p>
+          <a:p>
+            <a:r>
+              <a:rPr lang="en-US" sz="2800" dirty="0" smtClean="0"/>
+              <a:t>What is the foundry decision making structure; who is responsible for what? </a:t>
+            </a:r>
+            <a:br>
+              <a:rPr lang="en-US" sz="2800" dirty="0" smtClean="0"/>
+            </a:br>
+            <a:r>
+              <a:rPr lang="en-US" sz="2800" dirty="0" smtClean="0"/>
+              <a:t>(a formal, transparent process would be great</a:t>
+            </a:r>
+            <a:r>
+              <a:rPr lang="en-US" sz="2800" dirty="0" smtClean="0"/>
+              <a:t>!)</a:t>
+            </a:r>
+            <a:endParaRPr lang="en-US" sz="2400" dirty="0"/>
           </a:p>
         </p:txBody>
       </p:sp>
@@ -4487,14 +4905,40 @@
           <a:p>
             <a:r>
               <a:rPr lang="en-US" dirty="0" smtClean="0"/>
-              <a:t>Has there been any progress on inter-species anatomy, and/or any way we could help? </a:t>
-            </a:r>
-          </a:p>
-          <a:p>
-            <a:r>
-              <a:rPr lang="en-US" dirty="0" smtClean="0"/>
-              <a:t>Can people share success stories, demonstrating the usefulness of ontology work in general? (Addressing criticism we received for OBI paper). Most interest in newer, and cross-foundry efforts (not: GO). </a:t>
-            </a:r>
+              <a:t>State of BF0-2.0 and relations</a:t>
+            </a:r>
+          </a:p>
+          <a:p>
+            <a:pPr lvl="1"/>
+            <a:r>
+              <a:rPr lang="en-US" dirty="0" smtClean="0"/>
+              <a:t>Will there be public call for comments on a draft version (if yes, when?) </a:t>
+            </a:r>
+          </a:p>
+          <a:p>
+            <a:pPr lvl="1"/>
+            <a:r>
+              <a:rPr lang="en-US" dirty="0" smtClean="0"/>
+              <a:t>What is the status of OBI relations submitted to RO?</a:t>
+            </a:r>
+          </a:p>
+          <a:p>
+            <a:pPr lvl="1"/>
+            <a:r>
+              <a:rPr lang="en-US" dirty="0" smtClean="0"/>
+              <a:t>Will BFO be registered in the OBO Foundry (and subject to the same review criteria)?</a:t>
+            </a:r>
+          </a:p>
+          <a:p>
+            <a:pPr lvl="1"/>
+            <a:r>
+              <a:rPr lang="en-US" dirty="0" smtClean="0"/>
+              <a:t>It can be problematic to integrate with other resources that adopt BFO. Is there any plan to help to increase adoption rate?</a:t>
+            </a:r>
+          </a:p>
+          <a:p>
+            <a:pPr lvl="1"/>
+            <a:endParaRPr lang="en-US" dirty="0" smtClean="0"/>
           </a:p>
           <a:p>
             <a:pPr lvl="1">
@@ -4550,7 +4994,7 @@
           <a:p>
             <a:r>
               <a:rPr lang="en-US" dirty="0" smtClean="0"/>
-              <a:t>Thanks!</a:t>
+              <a:t>Foundry requests / concerns</a:t>
             </a:r>
             <a:endParaRPr lang="en-US" dirty="0"/>
           </a:p>
@@ -4569,205 +5013,38 @@
         <p:spPr/>
         <p:txBody>
           <a:bodyPr>
-            <a:normAutofit fontScale="77500" lnSpcReduction="20000"/>
+            <a:noAutofit/>
           </a:bodyPr>
           <a:lstStyle/>
           <a:p>
             <a:r>
-              <a:rPr lang="en-US" dirty="0" smtClean="0"/>
-              <a:t>Next workshop: March 22-25, Vancouver, Canada</a:t>
-            </a:r>
-            <a:endParaRPr lang="en-US" dirty="0" smtClean="0">
-              <a:hlinkClick r:id="rId2"/>
-            </a:endParaRPr>
-          </a:p>
-          <a:p>
-            <a:r>
-              <a:rPr lang="en-US" dirty="0" smtClean="0">
-                <a:hlinkClick r:id="rId2"/>
-              </a:rPr>
-              <a:t>http://obi-ontology.org/</a:t>
-            </a:r>
-            <a:endParaRPr lang="en-US" dirty="0" smtClean="0"/>
-          </a:p>
-          <a:p>
-            <a:r>
-              <a:rPr lang="en-US" dirty="0" smtClean="0"/>
-              <a:t>Ryan Brinkman, Bill Bug, Kevin Clancy, </a:t>
-            </a:r>
-            <a:r>
-              <a:rPr lang="en-US" dirty="0" err="1" smtClean="0"/>
-              <a:t>Mélanie</a:t>
-            </a:r>
-            <a:r>
-              <a:rPr lang="en-US" dirty="0" smtClean="0"/>
+              <a:rPr lang="en-US" sz="2800" dirty="0" smtClean="0"/>
+              <a:t>Has there been any progress on inter-species anatomy, and/or any way we could help? </a:t>
+            </a:r>
+          </a:p>
+          <a:p>
+            <a:r>
+              <a:rPr lang="en-US" sz="2800" dirty="0" smtClean="0"/>
+              <a:t>Can people share success stories, demonstrating the usefulness of ontology work in general? </a:t>
+            </a:r>
+            <a:r>
+              <a:rPr lang="en-US" sz="2800" dirty="0" smtClean="0"/>
+              <a:t>(This would help addressing </a:t>
+            </a:r>
+            <a:r>
+              <a:rPr lang="en-US" sz="2800" dirty="0" smtClean="0"/>
+              <a:t>criticism we received for OBI paper). Most interest in newer, and cross-foundry efforts (not: GO). </a:t>
+            </a:r>
+          </a:p>
+          <a:p>
+            <a:pPr lvl="1">
+              <a:buNone/>
+            </a:pPr>
+            <a:r>
+              <a:rPr lang="en-US" sz="2400" dirty="0" smtClean="0"/>
               <a:t> </a:t>
             </a:r>
-            <a:r>
-              <a:rPr lang="en-US" dirty="0" err="1" smtClean="0"/>
-              <a:t>Courtot</a:t>
-            </a:r>
-            <a:r>
-              <a:rPr lang="en-US" dirty="0" smtClean="0"/>
-              <a:t>, Dirk </a:t>
-            </a:r>
-            <a:r>
-              <a:rPr lang="en-US" dirty="0" err="1" smtClean="0"/>
-              <a:t>Derom</a:t>
-            </a:r>
-            <a:r>
-              <a:rPr lang="en-US" dirty="0" smtClean="0"/>
-              <a:t>, </a:t>
-            </a:r>
-            <a:r>
-              <a:rPr lang="en-US" dirty="0" err="1" smtClean="0"/>
-              <a:t>Liju</a:t>
-            </a:r>
-            <a:r>
-              <a:rPr lang="en-US" dirty="0" smtClean="0"/>
-              <a:t> Fan, Dawn Field, Jennifer </a:t>
-            </a:r>
-            <a:r>
-              <a:rPr lang="en-US" dirty="0" err="1" smtClean="0"/>
-              <a:t>Fostel</a:t>
-            </a:r>
-            <a:r>
-              <a:rPr lang="en-US" dirty="0" smtClean="0"/>
-              <a:t>, Gilberto </a:t>
-            </a:r>
-            <a:r>
-              <a:rPr lang="en-US" dirty="0" err="1" smtClean="0"/>
-              <a:t>Fragoso</a:t>
-            </a:r>
-            <a:r>
-              <a:rPr lang="en-US" dirty="0" smtClean="0"/>
-              <a:t>, Frank Gibson, </a:t>
-            </a:r>
-            <a:r>
-              <a:rPr lang="en-US" dirty="0" err="1" smtClean="0"/>
-              <a:t>Yongqun</a:t>
-            </a:r>
-            <a:r>
-              <a:rPr lang="en-US" dirty="0" smtClean="0"/>
-              <a:t> He, Tina Hernandez-</a:t>
-            </a:r>
-            <a:r>
-              <a:rPr lang="en-US" dirty="0" err="1" smtClean="0"/>
-              <a:t>Boussard</a:t>
-            </a:r>
-            <a:r>
-              <a:rPr lang="en-US" dirty="0" smtClean="0"/>
-              <a:t>, Phillip Lord, Allyson L. Lister, James Malone, </a:t>
-            </a:r>
-            <a:r>
-              <a:rPr lang="en-US" dirty="0" err="1" smtClean="0"/>
-              <a:t>Monnie</a:t>
-            </a:r>
-            <a:r>
-              <a:rPr lang="en-US" dirty="0" smtClean="0"/>
-              <a:t> McGee, </a:t>
-            </a:r>
-            <a:r>
-              <a:rPr lang="en-US" dirty="0" err="1" smtClean="0"/>
-              <a:t>Elisabetta</a:t>
-            </a:r>
-            <a:r>
-              <a:rPr lang="en-US" dirty="0" smtClean="0"/>
-              <a:t> </a:t>
-            </a:r>
-            <a:r>
-              <a:rPr lang="en-US" dirty="0" err="1" smtClean="0"/>
-              <a:t>Manduchi</a:t>
-            </a:r>
-            <a:r>
-              <a:rPr lang="en-US" dirty="0" smtClean="0"/>
-              <a:t>, Norman Morrison, Helen Parkinson, Bjoern Peters, Philippe </a:t>
-            </a:r>
-            <a:r>
-              <a:rPr lang="en-US" dirty="0" err="1" smtClean="0"/>
-              <a:t>Rocca</a:t>
-            </a:r>
-            <a:r>
-              <a:rPr lang="en-US" dirty="0" smtClean="0"/>
-              <a:t>-Serra, Alan </a:t>
-            </a:r>
-            <a:r>
-              <a:rPr lang="en-US" dirty="0" err="1" smtClean="0"/>
-              <a:t>Ruttenberg</a:t>
-            </a:r>
-            <a:r>
-              <a:rPr lang="en-US" dirty="0" smtClean="0"/>
-              <a:t>, Susanna-</a:t>
-            </a:r>
-            <a:r>
-              <a:rPr lang="en-US" dirty="0" err="1" smtClean="0"/>
-              <a:t>Assunta</a:t>
-            </a:r>
-            <a:r>
-              <a:rPr lang="en-US" dirty="0" smtClean="0"/>
-              <a:t> </a:t>
-            </a:r>
-            <a:r>
-              <a:rPr lang="en-US" dirty="0" err="1" smtClean="0"/>
-              <a:t>Sansone</a:t>
-            </a:r>
-            <a:r>
-              <a:rPr lang="en-US" dirty="0" smtClean="0"/>
-              <a:t>, Richard H. </a:t>
-            </a:r>
-            <a:r>
-              <a:rPr lang="en-US" dirty="0" err="1" smtClean="0"/>
-              <a:t>Scheuermann</a:t>
-            </a:r>
-            <a:r>
-              <a:rPr lang="en-US" dirty="0" smtClean="0"/>
-              <a:t>, Daniel </a:t>
-            </a:r>
-            <a:r>
-              <a:rPr lang="en-US" dirty="0" err="1" smtClean="0"/>
-              <a:t>Schober</a:t>
-            </a:r>
-            <a:r>
-              <a:rPr lang="en-US" dirty="0" smtClean="0"/>
-              <a:t>, Barry Smith, Larisa N. </a:t>
-            </a:r>
-            <a:r>
-              <a:rPr lang="en-US" dirty="0" err="1" smtClean="0"/>
-              <a:t>Soldatova</a:t>
-            </a:r>
-            <a:r>
-              <a:rPr lang="en-US" dirty="0" smtClean="0"/>
-              <a:t>, Christian J. </a:t>
-            </a:r>
-            <a:r>
-              <a:rPr lang="en-US" dirty="0" err="1" smtClean="0"/>
-              <a:t>Stoeckert</a:t>
-            </a:r>
-            <a:r>
-              <a:rPr lang="en-US" dirty="0" smtClean="0"/>
-              <a:t> Jr., Chris F Taylor, Patricia L. </a:t>
-            </a:r>
-            <a:r>
-              <a:rPr lang="en-US" dirty="0" err="1" smtClean="0"/>
-              <a:t>Whetzel</a:t>
-            </a:r>
-            <a:r>
-              <a:rPr lang="en-US" dirty="0" smtClean="0"/>
-              <a:t> and </a:t>
-            </a:r>
-            <a:r>
-              <a:rPr lang="en-US" dirty="0" err="1" smtClean="0"/>
-              <a:t>Jie</a:t>
-            </a:r>
-            <a:r>
-              <a:rPr lang="en-US" dirty="0" smtClean="0"/>
-              <a:t> </a:t>
-            </a:r>
-            <a:r>
-              <a:rPr lang="en-US" dirty="0" err="1" smtClean="0"/>
-              <a:t>Zheng</a:t>
-            </a:r>
-            <a:endParaRPr lang="en-US" dirty="0"/>
+            <a:endParaRPr lang="en-US" sz="2400" dirty="0"/>
           </a:p>
         </p:txBody>
       </p:sp>
